--- a/Presentations/NOBUGS 2014/Talks/Requirements in a long term agile project slides.pptx
+++ b/Presentations/NOBUGS 2014/Talks/Requirements in a long term agile project slides.pptx
@@ -23,8 +23,8 @@
     <p:sldId id="382" r:id="rId14"/>
     <p:sldId id="383" r:id="rId15"/>
     <p:sldId id="384" r:id="rId16"/>
-    <p:sldId id="388" r:id="rId17"/>
-    <p:sldId id="385" r:id="rId18"/>
+    <p:sldId id="385" r:id="rId17"/>
+    <p:sldId id="388" r:id="rId18"/>
     <p:sldId id="386" r:id="rId19"/>
     <p:sldId id="368" r:id="rId20"/>
     <p:sldId id="314" r:id="rId21"/>
@@ -3389,8 +3389,8 @@
     <dgm:cxn modelId="{36749136-BF11-4209-ACAE-4C9F9BF8648E}" type="presOf" srcId="{873A99D5-E517-4452-9D79-0B9E1BEF1127}" destId="{072F3032-F66D-448B-B152-69B9628A68BA}" srcOrd="0" destOrd="0" presId="urn:microsoft.com/office/officeart/2005/8/layout/pyramid3"/>
     <dgm:cxn modelId="{3A427ED0-EE19-4A92-A5AE-DD6C318AB872}" type="presOf" srcId="{86F4CAB0-B8AE-4368-8F62-217513DA3164}" destId="{79B1D86C-02A8-4A69-BBCF-3ACE07C1D57F}" srcOrd="0" destOrd="0" presId="urn:microsoft.com/office/officeart/2005/8/layout/pyramid3"/>
     <dgm:cxn modelId="{6C98841A-8B17-4324-B6B7-20D8CDB3EED4}" srcId="{C3CF960A-5E3B-4FF9-9088-E9CCF4F65489}" destId="{86F4CAB0-B8AE-4368-8F62-217513DA3164}" srcOrd="1" destOrd="0" parTransId="{5174087B-2A2C-422F-BB93-0F65851F97A8}" sibTransId="{5C230BA8-A279-4652-812D-CD5676E5D05D}"/>
+    <dgm:cxn modelId="{06125ED1-759C-438E-AD4E-95598C0438F0}" type="presOf" srcId="{86F4CAB0-B8AE-4368-8F62-217513DA3164}" destId="{7EA381C2-0EF0-4284-A493-BE40C02622D9}" srcOrd="1" destOrd="0" presId="urn:microsoft.com/office/officeart/2005/8/layout/pyramid3"/>
     <dgm:cxn modelId="{DFAB306C-98BC-4D29-AB0F-BD886B76521D}" type="presOf" srcId="{873A99D5-E517-4452-9D79-0B9E1BEF1127}" destId="{D6178002-963F-43E5-B46F-151B0967DEE8}" srcOrd="1" destOrd="0" presId="urn:microsoft.com/office/officeart/2005/8/layout/pyramid3"/>
-    <dgm:cxn modelId="{06125ED1-759C-438E-AD4E-95598C0438F0}" type="presOf" srcId="{86F4CAB0-B8AE-4368-8F62-217513DA3164}" destId="{7EA381C2-0EF0-4284-A493-BE40C02622D9}" srcOrd="1" destOrd="0" presId="urn:microsoft.com/office/officeart/2005/8/layout/pyramid3"/>
     <dgm:cxn modelId="{1186AD26-EAC7-4B8C-95E9-E11F00A9EA97}" type="presOf" srcId="{5B8E6275-3F5A-4A26-9C12-63EBA7694BE3}" destId="{382B9459-F330-4B1E-A74F-B9408910728B}" srcOrd="0" destOrd="0" presId="urn:microsoft.com/office/officeart/2005/8/layout/pyramid3"/>
     <dgm:cxn modelId="{346A4AB6-44F0-4112-9BB5-A81D02711806}" srcId="{C3CF960A-5E3B-4FF9-9088-E9CCF4F65489}" destId="{5B8E6275-3F5A-4A26-9C12-63EBA7694BE3}" srcOrd="0" destOrd="0" parTransId="{A8FB3F10-2680-4B70-AA01-34780C924052}" sibTransId="{9D285589-C119-4B45-8485-D4B1CEA0F487}"/>
     <dgm:cxn modelId="{33BB486E-E935-4F8C-B1A4-6E7C9B20DEAF}" type="presOf" srcId="{5B8E6275-3F5A-4A26-9C12-63EBA7694BE3}" destId="{FFCC5210-F664-40CC-ABA6-50E076DFFA96}" srcOrd="1" destOrd="0" presId="urn:microsoft.com/office/officeart/2005/8/layout/pyramid3"/>
@@ -3928,8 +3928,8 @@
     <dgm:cxn modelId="{6C98841A-8B17-4324-B6B7-20D8CDB3EED4}" srcId="{C3CF960A-5E3B-4FF9-9088-E9CCF4F65489}" destId="{86F4CAB0-B8AE-4368-8F62-217513DA3164}" srcOrd="1" destOrd="0" parTransId="{5174087B-2A2C-422F-BB93-0F65851F97A8}" sibTransId="{5C230BA8-A279-4652-812D-CD5676E5D05D}"/>
     <dgm:cxn modelId="{64F6B576-6B45-4456-A24D-9D854C07B784}" type="presOf" srcId="{86F4CAB0-B8AE-4368-8F62-217513DA3164}" destId="{79B1D86C-02A8-4A69-BBCF-3ACE07C1D57F}" srcOrd="0" destOrd="0" presId="urn:microsoft.com/office/officeart/2005/8/layout/pyramid3"/>
     <dgm:cxn modelId="{44028138-707A-45ED-9CE8-99272BE84666}" type="presOf" srcId="{5B8E6275-3F5A-4A26-9C12-63EBA7694BE3}" destId="{FFCC5210-F664-40CC-ABA6-50E076DFFA96}" srcOrd="1" destOrd="0" presId="urn:microsoft.com/office/officeart/2005/8/layout/pyramid3"/>
+    <dgm:cxn modelId="{2A7CF61B-8B54-4BCC-B10E-B322BB651431}" type="presOf" srcId="{86F4CAB0-B8AE-4368-8F62-217513DA3164}" destId="{7EA381C2-0EF0-4284-A493-BE40C02622D9}" srcOrd="1" destOrd="0" presId="urn:microsoft.com/office/officeart/2005/8/layout/pyramid3"/>
     <dgm:cxn modelId="{35F0FF38-90A6-400D-B4CB-AB18E5DE6948}" type="presOf" srcId="{5B8E6275-3F5A-4A26-9C12-63EBA7694BE3}" destId="{382B9459-F330-4B1E-A74F-B9408910728B}" srcOrd="0" destOrd="0" presId="urn:microsoft.com/office/officeart/2005/8/layout/pyramid3"/>
-    <dgm:cxn modelId="{2A7CF61B-8B54-4BCC-B10E-B322BB651431}" type="presOf" srcId="{86F4CAB0-B8AE-4368-8F62-217513DA3164}" destId="{7EA381C2-0EF0-4284-A493-BE40C02622D9}" srcOrd="1" destOrd="0" presId="urn:microsoft.com/office/officeart/2005/8/layout/pyramid3"/>
     <dgm:cxn modelId="{346A4AB6-44F0-4112-9BB5-A81D02711806}" srcId="{C3CF960A-5E3B-4FF9-9088-E9CCF4F65489}" destId="{5B8E6275-3F5A-4A26-9C12-63EBA7694BE3}" srcOrd="0" destOrd="0" parTransId="{A8FB3F10-2680-4B70-AA01-34780C924052}" sibTransId="{9D285589-C119-4B45-8485-D4B1CEA0F487}"/>
     <dgm:cxn modelId="{B064668D-826D-49AE-B98C-2CB9CFAE43E3}" type="presParOf" srcId="{8C25304F-E06A-4B5B-B606-2975249EC088}" destId="{D81E96F1-5DBE-4A3C-91E8-B51038E7846E}" srcOrd="0" destOrd="0" presId="urn:microsoft.com/office/officeart/2005/8/layout/pyramid3"/>
     <dgm:cxn modelId="{7EB72208-F281-4324-AB4A-8F871CEDE78A}" type="presParOf" srcId="{D81E96F1-5DBE-4A3C-91E8-B51038E7846E}" destId="{382B9459-F330-4B1E-A74F-B9408910728B}" srcOrd="0" destOrd="0" presId="urn:microsoft.com/office/officeart/2005/8/layout/pyramid3"/>
@@ -16963,7 +16963,6 @@
               <a:rPr lang="en-GB" sz="3600" dirty="0" smtClean="0"/>
               <a:t>project</a:t>
             </a:r>
-            <a:endParaRPr lang="en-GB" sz="3600" dirty="0" smtClean="0"/>
           </a:p>
         </p:txBody>
       </p:sp>
@@ -17267,7 +17266,6 @@
               <a:rPr lang="en-GB" dirty="0" smtClean="0"/>
               <a:t>Improving Stakeholder engagement</a:t>
             </a:r>
-            <a:endParaRPr lang="en-GB" dirty="0" smtClean="0"/>
           </a:p>
         </p:txBody>
       </p:sp>
@@ -17768,7 +17766,6 @@
               <a:rPr lang="en-GB" dirty="0" smtClean="0"/>
               <a:t>Expanding the project</a:t>
             </a:r>
-            <a:endParaRPr lang="en-GB" dirty="0" smtClean="0"/>
           </a:p>
         </p:txBody>
       </p:sp>
@@ -18407,7 +18404,7 @@
 </file>
 
 <file path=ppt/slides/slide14.xml><?xml version="1.0" encoding="utf-8"?>
-<p:sld xmlns:a="http://schemas.openxmlformats.org/drawingml/2006/main" xmlns:r="http://schemas.openxmlformats.org/officeDocument/2006/relationships" xmlns:p="http://schemas.openxmlformats.org/presentationml/2006/main">
+<p:sld xmlns:a="http://schemas.openxmlformats.org/drawingml/2006/main" xmlns:r="http://schemas.openxmlformats.org/officeDocument/2006/relationships" xmlns:p="http://schemas.openxmlformats.org/presentationml/2006/main" show="0">
   <p:cSld>
     <p:spTree>
       <p:nvGrpSpPr>
@@ -18621,6 +18618,14 @@
   <p:clrMapOvr>
     <a:masterClrMapping/>
   </p:clrMapOvr>
+  <mc:AlternateContent xmlns:mc="http://schemas.openxmlformats.org/markup-compatibility/2006">
+    <mc:Choice xmlns:p14="http://schemas.microsoft.com/office/powerpoint/2010/main" Requires="p14">
+      <p:transition spd="slow" p14:dur="2000"/>
+    </mc:Choice>
+    <mc:Fallback>
+      <p:transition spd="slow"/>
+    </mc:Fallback>
+  </mc:AlternateContent>
   <p:timing>
     <p:tnLst>
       <p:par>
@@ -18632,134 +18637,6 @@
 </file>
 
 <file path=ppt/slides/slide15.xml><?xml version="1.0" encoding="utf-8"?>
-<p:sld xmlns:a="http://schemas.openxmlformats.org/drawingml/2006/main" xmlns:r="http://schemas.openxmlformats.org/officeDocument/2006/relationships" xmlns:p="http://schemas.openxmlformats.org/presentationml/2006/main">
-  <p:cSld>
-    <p:spTree>
-      <p:nvGrpSpPr>
-        <p:cNvPr id="1" name=""/>
-        <p:cNvGrpSpPr/>
-        <p:nvPr/>
-      </p:nvGrpSpPr>
-      <p:grpSpPr>
-        <a:xfrm>
-          <a:off x="0" y="0"/>
-          <a:ext cx="0" cy="0"/>
-          <a:chOff x="0" y="0"/>
-          <a:chExt cx="0" cy="0"/>
-        </a:xfrm>
-      </p:grpSpPr>
-      <p:sp>
-        <p:nvSpPr>
-          <p:cNvPr id="12" name="Title 11"/>
-          <p:cNvSpPr>
-            <a:spLocks noGrp="1"/>
-          </p:cNvSpPr>
-          <p:nvPr>
-            <p:ph type="title"/>
-          </p:nvPr>
-        </p:nvSpPr>
-        <p:spPr/>
-        <p:txBody>
-          <a:bodyPr/>
-          <a:lstStyle/>
-          <a:p>
-            <a:r>
-              <a:rPr lang="en-GB" dirty="0" smtClean="0"/>
-              <a:t>Release Presentations</a:t>
-            </a:r>
-            <a:endParaRPr lang="en-GB" dirty="0"/>
-          </a:p>
-        </p:txBody>
-      </p:sp>
-      <p:sp>
-        <p:nvSpPr>
-          <p:cNvPr id="13" name="Content Placeholder 12"/>
-          <p:cNvSpPr>
-            <a:spLocks noGrp="1"/>
-          </p:cNvSpPr>
-          <p:nvPr>
-            <p:ph idx="1"/>
-          </p:nvPr>
-        </p:nvSpPr>
-        <p:spPr/>
-        <p:txBody>
-          <a:bodyPr/>
-          <a:lstStyle/>
-          <a:p>
-            <a:r>
-              <a:rPr lang="en-GB" dirty="0" smtClean="0"/>
-              <a:t>Just before each release</a:t>
-            </a:r>
-          </a:p>
-          <a:p>
-            <a:r>
-              <a:rPr lang="en-GB" dirty="0" smtClean="0"/>
-              <a:t>Everyone invited</a:t>
-            </a:r>
-          </a:p>
-          <a:p>
-            <a:pPr lvl="1"/>
-            <a:r>
-              <a:rPr lang="en-GB" dirty="0" smtClean="0"/>
-              <a:t>But participation optional</a:t>
-            </a:r>
-          </a:p>
-          <a:p>
-            <a:r>
-              <a:rPr lang="en-GB" dirty="0" smtClean="0"/>
-              <a:t>Development team present progress</a:t>
-            </a:r>
-          </a:p>
-          <a:p>
-            <a:r>
-              <a:rPr lang="en-GB" dirty="0" smtClean="0"/>
-              <a:t>Different focus topic each time</a:t>
-            </a:r>
-          </a:p>
-          <a:p>
-            <a:pPr lvl="1"/>
-            <a:r>
-              <a:rPr lang="en-GB" dirty="0" smtClean="0"/>
-              <a:t>Covers complete functionality in that area, not just improvements</a:t>
-            </a:r>
-          </a:p>
-          <a:p>
-            <a:r>
-              <a:rPr lang="en-GB" dirty="0" smtClean="0"/>
-              <a:t>Meet the team at the end</a:t>
-            </a:r>
-          </a:p>
-          <a:p>
-            <a:pPr lvl="1"/>
-            <a:r>
-              <a:rPr lang="en-GB" dirty="0" smtClean="0"/>
-              <a:t>Opportunity to chat to the scientists and solve any problems.</a:t>
-            </a:r>
-            <a:endParaRPr lang="en-GB" dirty="0"/>
-          </a:p>
-        </p:txBody>
-      </p:sp>
-    </p:spTree>
-    <p:extLst>
-      <p:ext uri="{BB962C8B-B14F-4D97-AF65-F5344CB8AC3E}">
-        <p14:creationId xmlns:p14="http://schemas.microsoft.com/office/powerpoint/2010/main" val="318443093"/>
-      </p:ext>
-    </p:extLst>
-  </p:cSld>
-  <p:clrMapOvr>
-    <a:masterClrMapping/>
-  </p:clrMapOvr>
-  <p:timing>
-    <p:tnLst>
-      <p:par>
-        <p:cTn id="1" dur="indefinite" restart="never" nodeType="tmRoot"/>
-      </p:par>
-    </p:tnLst>
-  </p:timing>
-</p:sld>
-</file>
-
-<file path=ppt/slides/slide16.xml><?xml version="1.0" encoding="utf-8"?>
 <p:sld xmlns:a="http://schemas.openxmlformats.org/drawingml/2006/main" xmlns:r="http://schemas.openxmlformats.org/officeDocument/2006/relationships" xmlns:p="http://schemas.openxmlformats.org/presentationml/2006/main">
   <p:cSld>
     <p:spTree>
@@ -18936,8 +18813,136 @@
 </p:sld>
 </file>
 
+<file path=ppt/slides/slide16.xml><?xml version="1.0" encoding="utf-8"?>
+<p:sld xmlns:a="http://schemas.openxmlformats.org/drawingml/2006/main" xmlns:r="http://schemas.openxmlformats.org/officeDocument/2006/relationships" xmlns:p="http://schemas.openxmlformats.org/presentationml/2006/main">
+  <p:cSld>
+    <p:spTree>
+      <p:nvGrpSpPr>
+        <p:cNvPr id="1" name=""/>
+        <p:cNvGrpSpPr/>
+        <p:nvPr/>
+      </p:nvGrpSpPr>
+      <p:grpSpPr>
+        <a:xfrm>
+          <a:off x="0" y="0"/>
+          <a:ext cx="0" cy="0"/>
+          <a:chOff x="0" y="0"/>
+          <a:chExt cx="0" cy="0"/>
+        </a:xfrm>
+      </p:grpSpPr>
+      <p:sp>
+        <p:nvSpPr>
+          <p:cNvPr id="12" name="Title 11"/>
+          <p:cNvSpPr>
+            <a:spLocks noGrp="1"/>
+          </p:cNvSpPr>
+          <p:nvPr>
+            <p:ph type="title"/>
+          </p:nvPr>
+        </p:nvSpPr>
+        <p:spPr/>
+        <p:txBody>
+          <a:bodyPr/>
+          <a:lstStyle/>
+          <a:p>
+            <a:r>
+              <a:rPr lang="en-GB" dirty="0" smtClean="0"/>
+              <a:t>Release Presentations</a:t>
+            </a:r>
+            <a:endParaRPr lang="en-GB" dirty="0"/>
+          </a:p>
+        </p:txBody>
+      </p:sp>
+      <p:sp>
+        <p:nvSpPr>
+          <p:cNvPr id="13" name="Content Placeholder 12"/>
+          <p:cNvSpPr>
+            <a:spLocks noGrp="1"/>
+          </p:cNvSpPr>
+          <p:nvPr>
+            <p:ph idx="1"/>
+          </p:nvPr>
+        </p:nvSpPr>
+        <p:spPr/>
+        <p:txBody>
+          <a:bodyPr/>
+          <a:lstStyle/>
+          <a:p>
+            <a:r>
+              <a:rPr lang="en-GB" dirty="0" smtClean="0"/>
+              <a:t>Just before each release</a:t>
+            </a:r>
+          </a:p>
+          <a:p>
+            <a:r>
+              <a:rPr lang="en-GB" dirty="0" smtClean="0"/>
+              <a:t>Everyone invited</a:t>
+            </a:r>
+          </a:p>
+          <a:p>
+            <a:pPr lvl="1"/>
+            <a:r>
+              <a:rPr lang="en-GB" dirty="0" smtClean="0"/>
+              <a:t>But participation optional</a:t>
+            </a:r>
+          </a:p>
+          <a:p>
+            <a:r>
+              <a:rPr lang="en-GB" dirty="0" smtClean="0"/>
+              <a:t>Development team present progress</a:t>
+            </a:r>
+          </a:p>
+          <a:p>
+            <a:r>
+              <a:rPr lang="en-GB" dirty="0" smtClean="0"/>
+              <a:t>Different focus topic each time</a:t>
+            </a:r>
+          </a:p>
+          <a:p>
+            <a:pPr lvl="1"/>
+            <a:r>
+              <a:rPr lang="en-GB" dirty="0" smtClean="0"/>
+              <a:t>Covers complete functionality in that area, not just improvements</a:t>
+            </a:r>
+          </a:p>
+          <a:p>
+            <a:r>
+              <a:rPr lang="en-GB" dirty="0" smtClean="0"/>
+              <a:t>Meet the team at the end</a:t>
+            </a:r>
+          </a:p>
+          <a:p>
+            <a:pPr lvl="1"/>
+            <a:r>
+              <a:rPr lang="en-GB" dirty="0" smtClean="0"/>
+              <a:t>Opportunity to chat to the scientists and solve any problems.</a:t>
+            </a:r>
+            <a:endParaRPr lang="en-GB" dirty="0"/>
+          </a:p>
+        </p:txBody>
+      </p:sp>
+    </p:spTree>
+    <p:extLst>
+      <p:ext uri="{BB962C8B-B14F-4D97-AF65-F5344CB8AC3E}">
+        <p14:creationId xmlns:p14="http://schemas.microsoft.com/office/powerpoint/2010/main" val="318443093"/>
+      </p:ext>
+    </p:extLst>
+  </p:cSld>
+  <p:clrMapOvr>
+    <a:masterClrMapping/>
+  </p:clrMapOvr>
+  <p:timing>
+    <p:tnLst>
+      <p:par>
+        <p:cTn id="1" dur="indefinite" restart="never" nodeType="tmRoot"/>
+      </p:par>
+    </p:tnLst>
+  </p:timing>
+</p:sld>
+</file>
+
 <file path=ppt/slides/slide17.xml><?xml version="1.0" encoding="utf-8"?>
-<p:sld xmlns:a="http://schemas.openxmlformats.org/drawingml/2006/main" xmlns:r="http://schemas.openxmlformats.org/officeDocument/2006/relationships" xmlns:p="http://schemas.openxmlformats.org/presentationml/2006/main">
+<p:sld xmlns:a="http://schemas.openxmlformats.org/drawingml/2006/main" xmlns:r="http://schemas.openxmlformats.org/officeDocument/2006/relationships" xmlns:p="http://schemas.openxmlformats.org/presentationml/2006/main" show="0">
   <p:cSld>
     <p:spTree>
       <p:nvGrpSpPr>
@@ -19389,6 +19394,14 @@
   <p:clrMapOvr>
     <a:masterClrMapping/>
   </p:clrMapOvr>
+  <mc:AlternateContent xmlns:mc="http://schemas.openxmlformats.org/markup-compatibility/2006">
+    <mc:Choice xmlns:p14="http://schemas.microsoft.com/office/powerpoint/2010/main" Requires="p14">
+      <p:transition spd="slow" p14:dur="2000"/>
+    </mc:Choice>
+    <mc:Fallback>
+      <p:transition spd="slow"/>
+    </mc:Fallback>
+  </mc:AlternateContent>
   <p:timing>
     <p:tnLst>
       <p:par>
@@ -19740,7 +19753,6 @@
               <a:rPr lang="en-GB" dirty="0" smtClean="0"/>
               <a:t>Requirements in Agile Projects</a:t>
             </a:r>
-            <a:endParaRPr lang="en-GB" dirty="0" smtClean="0"/>
           </a:p>
           <a:p>
             <a:r>
@@ -19753,14 +19765,12 @@
               <a:rPr lang="en-GB" dirty="0" smtClean="0"/>
               <a:t>The problems</a:t>
             </a:r>
-            <a:endParaRPr lang="en-GB" dirty="0" smtClean="0"/>
           </a:p>
           <a:p>
             <a:r>
               <a:rPr lang="en-GB" dirty="0" smtClean="0"/>
               <a:t>Our solution</a:t>
             </a:r>
-            <a:endParaRPr lang="en-GB" dirty="0" smtClean="0"/>
           </a:p>
         </p:txBody>
       </p:sp>
